--- a/Extra/MusicFinder.pptx
+++ b/Extra/MusicFinder.pptx
@@ -7526,7 +7526,7 @@
             <a:pPr algn="l"/>
             <a:r>
               <a:rPr lang="it-IT" dirty="0"/>
-              <a:t>Prof </a:t>
+              <a:t>Prof. </a:t>
             </a:r>
             <a:r>
               <a:rPr lang="it-IT" dirty="0" err="1"/>
